--- a/Day1/Day1_02_Sampling.pptx
+++ b/Day1/Day1_02_Sampling.pptx
@@ -201,14 +201,6 @@
     </p:extLst>
   </p:cmAuthor>
 </p:cmAuthorLst>
-</file>
-
-<file path=ppt/revisionInfo.xml><?xml version="1.0" encoding="utf-8"?>
-<p1510:revInfo xmlns:a="http://schemas.openxmlformats.org/drawingml/2006/main" xmlns:r="http://schemas.openxmlformats.org/officeDocument/2006/relationships" xmlns:p1510="http://schemas.microsoft.com/office/powerpoint/2015/10/main">
-  <p1510:revLst>
-    <p1510:client id="{735F4C3E-733B-4E14-9C85-43EBA8E965F8}" v="3" dt="2021-10-06T14:55:51.437"/>
-  </p1510:revLst>
-</p1510:revInfo>
 </file>
 
 <file path=ppt/handoutMasters/handoutMaster1.xml><?xml version="1.0" encoding="utf-8"?>
@@ -20723,8 +20715,8 @@
           </a:p>
         </p:txBody>
       </p:sp>
-      <mc:AlternateContent xmlns:mc="http://schemas.openxmlformats.org/markup-compatibility/2006" xmlns:a14="http://schemas.microsoft.com/office/drawing/2010/main">
-        <mc:Choice Requires="a14">
+      <mc:AlternateContent xmlns:mc="http://schemas.openxmlformats.org/markup-compatibility/2006">
+        <mc:Choice xmlns:a14="http://schemas.microsoft.com/office/drawing/2010/main" Requires="a14">
           <p:sp>
             <p:nvSpPr>
               <p:cNvPr id="3" name="Content Placeholder 2">
@@ -20759,7 +20751,7 @@
               <a:p>
                 <a:r>
                   <a:rPr lang="en-US" dirty="0"/>
-                  <a:t>If you can estimate a sum, you can divide by the sample size to get a mean</a:t>
+                  <a:t>If you can estimate a sum, you can divide by the population size to get a mean</a:t>
                 </a:r>
               </a:p>
               <a:p>
@@ -20836,7 +20828,7 @@
             </p:txBody>
           </p:sp>
         </mc:Choice>
-        <mc:Fallback xmlns="">
+        <mc:Fallback>
           <p:sp>
             <p:nvSpPr>
               <p:cNvPr id="3" name="Content Placeholder 2">
@@ -26476,8 +26468,8 @@
           </a:p>
         </p:txBody>
       </p:sp>
-      <mc:AlternateContent xmlns:mc="http://schemas.openxmlformats.org/markup-compatibility/2006" xmlns:a14="http://schemas.microsoft.com/office/drawing/2010/main">
-        <mc:Choice Requires="a14">
+      <mc:AlternateContent xmlns:mc="http://schemas.openxmlformats.org/markup-compatibility/2006">
+        <mc:Choice xmlns:a14="http://schemas.microsoft.com/office/drawing/2010/main" Requires="a14">
           <p:sp>
             <p:nvSpPr>
               <p:cNvPr id="8" name="Content Placeholder 7">
@@ -26509,8 +26501,13 @@
               <a:p>
                 <a:r>
                   <a:rPr lang="en-US" dirty="0"/>
-                  <a:t>For clustered data with two PSUs in a stratum, a slight simplification is that one PSU would receive double weight while the other would receive half weight</a:t>
+                  <a:t>For clustered data with two PSUs in a stratum, a slight simplification is that one PSU would receive double weight while the other would </a:t>
                 </a:r>
+                <a:r>
+                  <a:rPr lang="en-US"/>
+                  <a:t>receive zero weight</a:t>
+                </a:r>
+                <a:endParaRPr lang="en-US" dirty="0"/>
               </a:p>
               <a:p>
                 <a:pPr lvl="1"/>
@@ -26798,7 +26795,7 @@
             </p:txBody>
           </p:sp>
         </mc:Choice>
-        <mc:Fallback xmlns="">
+        <mc:Fallback>
           <p:sp>
             <p:nvSpPr>
               <p:cNvPr id="8" name="Content Placeholder 7">

--- a/Day1/Day1_02_Sampling.pptx
+++ b/Day1/Day1_02_Sampling.pptx
@@ -26501,13 +26501,8 @@
               <a:p>
                 <a:r>
                   <a:rPr lang="en-US" dirty="0"/>
-                  <a:t>For clustered data with two PSUs in a stratum, a slight simplification is that one PSU would receive double weight while the other would </a:t>
+                  <a:t>For clustered data with two PSUs in a stratum, a slight simplification is that one PSU would receive double weight while the other would receive zero weight</a:t>
                 </a:r>
-                <a:r>
-                  <a:rPr lang="en-US"/>
-                  <a:t>receive zero weight</a:t>
-                </a:r>
-                <a:endParaRPr lang="en-US" dirty="0"/>
               </a:p>
               <a:p>
                 <a:pPr lvl="1"/>
@@ -32095,7 +32090,7 @@
           <a:p>
             <a:r>
               <a:rPr lang="en-US" sz="2800" dirty="0"/>
-              <a:t>NAEP uses a complicated sampling strategy</a:t>
+              <a:t>NAEP, ILSA use a complicated sampling strategy</a:t>
             </a:r>
           </a:p>
           <a:p>
@@ -32129,16 +32124,24 @@
           <a:p>
             <a:pPr lvl="2"/>
             <a:r>
-              <a:rPr lang="en-US" dirty="0"/>
-              <a:t>Measurement/imputation variance</a:t>
+              <a:rPr lang="en-US"/>
+              <a:t>Sampling variance </a:t>
             </a:r>
           </a:p>
           <a:p>
             <a:pPr lvl="2"/>
             <a:r>
-              <a:rPr lang="en-US" dirty="0"/>
-              <a:t>Sampling variance</a:t>
-            </a:r>
+              <a:rPr lang="en-US"/>
+              <a:t>Measurement</a:t>
+            </a:r>
+            <a:r>
+              <a:rPr lang="en-US" dirty="0"/>
+              <a:t>/imputation variance</a:t>
+            </a:r>
+          </a:p>
+          <a:p>
+            <a:pPr lvl="2"/>
+            <a:endParaRPr lang="en-US" dirty="0"/>
           </a:p>
         </p:txBody>
       </p:sp>
